--- a/王新强_论文答辩.pptx
+++ b/王新强_论文答辩.pptx
@@ -7,11 +7,10 @@
   <p:sldIdLst>
     <p:sldId id="256" r:id="rId2"/>
     <p:sldId id="257" r:id="rId3"/>
-    <p:sldId id="260" r:id="rId4"/>
-    <p:sldId id="264" r:id="rId5"/>
-    <p:sldId id="266" r:id="rId6"/>
-    <p:sldId id="263" r:id="rId7"/>
-    <p:sldId id="259" r:id="rId8"/>
+    <p:sldId id="264" r:id="rId4"/>
+    <p:sldId id="266" r:id="rId5"/>
+    <p:sldId id="263" r:id="rId6"/>
+    <p:sldId id="259" r:id="rId7"/>
   </p:sldIdLst>
   <p:sldSz cx="12192000" cy="6858000"/>
   <p:notesSz cx="6858000" cy="9144000"/>
@@ -3581,7 +3580,7 @@
         </p:spPr>
         <p:txBody>
           <a:bodyPr>
-            <a:normAutofit fontScale="77500" lnSpcReduction="20000"/>
+            <a:normAutofit fontScale="92500" lnSpcReduction="10000"/>
           </a:bodyPr>
           <a:lstStyle/>
           <a:p>
@@ -3595,21 +3594,7 @@
                 <a:latin typeface="Times New Roman" panose="02020603050405020304" pitchFamily="18" charset="0"/>
                 <a:cs typeface="Times New Roman" panose="02020603050405020304" pitchFamily="18" charset="0"/>
               </a:rPr>
-              <a:t>Reasons for choosing this topic</a:t>
-            </a:r>
-          </a:p>
-          <a:p>
-            <a:pPr>
-              <a:lnSpc>
-                <a:spcPct val="170000"/>
-              </a:lnSpc>
-            </a:pPr>
-            <a:r>
-              <a:rPr lang="en-US" altLang="zh-CN" sz="3800" dirty="0">
-                <a:latin typeface="Times New Roman" panose="02020603050405020304" pitchFamily="18" charset="0"/>
-                <a:cs typeface="Times New Roman" panose="02020603050405020304" pitchFamily="18" charset="0"/>
-              </a:rPr>
-              <a:t>Significance of the research</a:t>
+              <a:t>Significance of the study</a:t>
             </a:r>
             <a:endParaRPr lang="en-US" altLang="zh-CN" sz="3800" dirty="0">
               <a:solidFill>
@@ -3630,8 +3615,15 @@
                 <a:latin typeface="Times New Roman" panose="02020603050405020304" pitchFamily="18" charset="0"/>
                 <a:cs typeface="Times New Roman" panose="02020603050405020304" pitchFamily="18" charset="0"/>
               </a:rPr>
-              <a:t>Contents of the research</a:t>
-            </a:r>
+              <a:t>Contents of the paper</a:t>
+            </a:r>
+            <a:endParaRPr lang="en-US" altLang="zh-CN" sz="3800" dirty="0">
+              <a:solidFill>
+                <a:srgbClr val="FF0000"/>
+              </a:solidFill>
+              <a:latin typeface="Times New Roman" panose="02020603050405020304" pitchFamily="18" charset="0"/>
+              <a:cs typeface="Times New Roman" panose="02020603050405020304" pitchFamily="18" charset="0"/>
+            </a:endParaRPr>
           </a:p>
           <a:p>
             <a:pPr>
@@ -3743,7 +3735,7 @@
                 <a:latin typeface="Times New Roman" panose="02020603050405020304" pitchFamily="18" charset="0"/>
                 <a:cs typeface="Times New Roman" panose="02020603050405020304" pitchFamily="18" charset="0"/>
               </a:rPr>
-              <a:t>Reasons for choosing this topic</a:t>
+              <a:t>Significance of the research</a:t>
             </a:r>
           </a:p>
         </p:txBody>
@@ -3766,13 +3758,13 @@
         </p:nvSpPr>
         <p:spPr>
           <a:xfrm>
-            <a:off x="3207224" y="3128743"/>
-            <a:ext cx="7001301" cy="3367597"/>
+            <a:off x="3207224" y="2565779"/>
+            <a:ext cx="7001301" cy="3930561"/>
           </a:xfrm>
         </p:spPr>
         <p:txBody>
           <a:bodyPr>
-            <a:normAutofit/>
+            <a:normAutofit lnSpcReduction="10000"/>
           </a:bodyPr>
           <a:lstStyle/>
           <a:p>
@@ -3786,7 +3778,7 @@
                 <a:latin typeface="Times New Roman" panose="02020603050405020304" pitchFamily="18" charset="0"/>
                 <a:cs typeface="Times New Roman" panose="02020603050405020304" pitchFamily="18" charset="0"/>
               </a:rPr>
-              <a:t>Personal interest</a:t>
+              <a:t>Helps to </a:t>
             </a:r>
           </a:p>
           <a:p>
@@ -3800,7 +3792,7 @@
                 <a:latin typeface="Times New Roman" panose="02020603050405020304" pitchFamily="18" charset="0"/>
                 <a:cs typeface="Times New Roman" panose="02020603050405020304" pitchFamily="18" charset="0"/>
               </a:rPr>
-              <a:t>The influence of my teachers</a:t>
+              <a:t>avoid cultural </a:t>
             </a:r>
           </a:p>
           <a:p>
@@ -3814,7 +3806,7 @@
                 <a:latin typeface="Times New Roman" panose="02020603050405020304" pitchFamily="18" charset="0"/>
                 <a:cs typeface="Times New Roman" panose="02020603050405020304" pitchFamily="18" charset="0"/>
               </a:rPr>
-              <a:t>My mentor’s advice</a:t>
+              <a:t>promote intercultural exchanges</a:t>
             </a:r>
           </a:p>
           <a:p>
@@ -3824,6 +3816,20 @@
               </a:lnSpc>
             </a:pPr>
             <a:r>
+              <a:rPr lang="en-US" altLang="zh-CN" sz="3200" dirty="0">
+                <a:latin typeface="Times New Roman" panose="02020603050405020304" pitchFamily="18" charset="0"/>
+                <a:cs typeface="Times New Roman" panose="02020603050405020304" pitchFamily="18" charset="0"/>
+              </a:rPr>
+              <a:t>promote globalization</a:t>
+            </a:r>
+          </a:p>
+          <a:p>
+            <a:pPr>
+              <a:lnSpc>
+                <a:spcPct val="150000"/>
+              </a:lnSpc>
+            </a:pPr>
+            <a:r>
               <a:rPr lang="en-US" altLang="zh-CN" dirty="0">
                 <a:latin typeface="Times New Roman" panose="02020603050405020304" pitchFamily="18" charset="0"/>
                 <a:cs typeface="Times New Roman" panose="02020603050405020304" pitchFamily="18" charset="0"/>
@@ -3840,7 +3846,7 @@
     </p:spTree>
     <p:extLst>
       <p:ext uri="{BB962C8B-B14F-4D97-AF65-F5344CB8AC3E}">
-        <p14:creationId xmlns:p14="http://schemas.microsoft.com/office/powerpoint/2010/main" val="3792231223"/>
+        <p14:creationId xmlns:p14="http://schemas.microsoft.com/office/powerpoint/2010/main" val="1255672333"/>
       </p:ext>
     </p:extLst>
   </p:cSld>
@@ -3908,7 +3914,7 @@
                 <a:latin typeface="Times New Roman" panose="02020603050405020304" pitchFamily="18" charset="0"/>
                 <a:cs typeface="Times New Roman" panose="02020603050405020304" pitchFamily="18" charset="0"/>
               </a:rPr>
-              <a:t>Significance of the research</a:t>
+              <a:t>Contents of the research </a:t>
             </a:r>
           </a:p>
         </p:txBody>
@@ -3932,12 +3938,12 @@
         <p:spPr>
           <a:xfrm>
             <a:off x="3207224" y="2565779"/>
-            <a:ext cx="7001301" cy="3930561"/>
+            <a:ext cx="5677469" cy="3930561"/>
           </a:xfrm>
         </p:spPr>
         <p:txBody>
           <a:bodyPr>
-            <a:normAutofit lnSpcReduction="10000"/>
+            <a:normAutofit/>
           </a:bodyPr>
           <a:lstStyle/>
           <a:p>
@@ -3951,7 +3957,7 @@
                 <a:latin typeface="Times New Roman" panose="02020603050405020304" pitchFamily="18" charset="0"/>
                 <a:cs typeface="Times New Roman" panose="02020603050405020304" pitchFamily="18" charset="0"/>
               </a:rPr>
-              <a:t>Helps to </a:t>
+              <a:t>Introduction </a:t>
             </a:r>
           </a:p>
           <a:p>
@@ -3965,7 +3971,7 @@
                 <a:latin typeface="Times New Roman" panose="02020603050405020304" pitchFamily="18" charset="0"/>
                 <a:cs typeface="Times New Roman" panose="02020603050405020304" pitchFamily="18" charset="0"/>
               </a:rPr>
-              <a:t>avoid cultural </a:t>
+              <a:t>Comparative study</a:t>
             </a:r>
           </a:p>
           <a:p>
@@ -3979,7 +3985,7 @@
                 <a:latin typeface="Times New Roman" panose="02020603050405020304" pitchFamily="18" charset="0"/>
                 <a:cs typeface="Times New Roman" panose="02020603050405020304" pitchFamily="18" charset="0"/>
               </a:rPr>
-              <a:t>promote intercultural exchanges</a:t>
+              <a:t>Conclusion</a:t>
             </a:r>
           </a:p>
           <a:p>
@@ -3993,23 +3999,9 @@
                 <a:latin typeface="Times New Roman" panose="02020603050405020304" pitchFamily="18" charset="0"/>
                 <a:cs typeface="Times New Roman" panose="02020603050405020304" pitchFamily="18" charset="0"/>
               </a:rPr>
-              <a:t>promote globalization</a:t>
-            </a:r>
-          </a:p>
-          <a:p>
-            <a:pPr>
-              <a:lnSpc>
-                <a:spcPct val="150000"/>
-              </a:lnSpc>
-            </a:pPr>
-            <a:r>
-              <a:rPr lang="en-US" altLang="zh-CN" dirty="0">
-                <a:latin typeface="Times New Roman" panose="02020603050405020304" pitchFamily="18" charset="0"/>
-                <a:cs typeface="Times New Roman" panose="02020603050405020304" pitchFamily="18" charset="0"/>
-              </a:rPr>
               <a:t>…</a:t>
             </a:r>
-            <a:endParaRPr lang="zh-CN" altLang="en-US" dirty="0">
+            <a:endParaRPr lang="zh-CN" altLang="en-US" sz="3200" dirty="0">
               <a:latin typeface="Times New Roman" panose="02020603050405020304" pitchFamily="18" charset="0"/>
               <a:cs typeface="Times New Roman" panose="02020603050405020304" pitchFamily="18" charset="0"/>
             </a:endParaRPr>
@@ -4019,7 +4011,7 @@
     </p:spTree>
     <p:extLst>
       <p:ext uri="{BB962C8B-B14F-4D97-AF65-F5344CB8AC3E}">
-        <p14:creationId xmlns:p14="http://schemas.microsoft.com/office/powerpoint/2010/main" val="1255672333"/>
+        <p14:creationId xmlns:p14="http://schemas.microsoft.com/office/powerpoint/2010/main" val="2692643023"/>
       </p:ext>
     </p:extLst>
   </p:cSld>
@@ -4064,171 +4056,6 @@
         </p:nvSpPr>
         <p:spPr>
           <a:xfrm>
-            <a:off x="0" y="361659"/>
-            <a:ext cx="12192000" cy="2104930"/>
-          </a:xfrm>
-          <a:solidFill>
-            <a:srgbClr val="FFC000"/>
-          </a:solidFill>
-        </p:spPr>
-        <p:txBody>
-          <a:bodyPr anchor="ctr" anchorCtr="0">
-            <a:noAutofit/>
-          </a:bodyPr>
-          <a:lstStyle/>
-          <a:p>
-            <a:pPr algn="ctr">
-              <a:lnSpc>
-                <a:spcPct val="150000"/>
-              </a:lnSpc>
-            </a:pPr>
-            <a:r>
-              <a:rPr lang="en-US" altLang="zh-CN" sz="4000" b="1" dirty="0">
-                <a:latin typeface="Times New Roman" panose="02020603050405020304" pitchFamily="18" charset="0"/>
-                <a:cs typeface="Times New Roman" panose="02020603050405020304" pitchFamily="18" charset="0"/>
-              </a:rPr>
-              <a:t>Contents of the research </a:t>
-            </a:r>
-          </a:p>
-        </p:txBody>
-      </p:sp>
-      <p:sp>
-        <p:nvSpPr>
-          <p:cNvPr id="5" name="内容占位符 4">
-            <a:extLst>
-              <a:ext uri="{FF2B5EF4-FFF2-40B4-BE49-F238E27FC236}">
-                <a16:creationId xmlns:a16="http://schemas.microsoft.com/office/drawing/2014/main" id="{DC8744EC-9496-41B2-8F58-4D8E0C8B7871}"/>
-              </a:ext>
-            </a:extLst>
-          </p:cNvPr>
-          <p:cNvSpPr>
-            <a:spLocks noGrp="1"/>
-          </p:cNvSpPr>
-          <p:nvPr>
-            <p:ph idx="1"/>
-          </p:nvPr>
-        </p:nvSpPr>
-        <p:spPr>
-          <a:xfrm>
-            <a:off x="3207224" y="2565779"/>
-            <a:ext cx="5677469" cy="3930561"/>
-          </a:xfrm>
-        </p:spPr>
-        <p:txBody>
-          <a:bodyPr>
-            <a:normAutofit/>
-          </a:bodyPr>
-          <a:lstStyle/>
-          <a:p>
-            <a:pPr>
-              <a:lnSpc>
-                <a:spcPct val="150000"/>
-              </a:lnSpc>
-            </a:pPr>
-            <a:r>
-              <a:rPr lang="en-US" altLang="zh-CN" sz="3200" dirty="0">
-                <a:latin typeface="Times New Roman" panose="02020603050405020304" pitchFamily="18" charset="0"/>
-                <a:cs typeface="Times New Roman" panose="02020603050405020304" pitchFamily="18" charset="0"/>
-              </a:rPr>
-              <a:t>Introduction </a:t>
-            </a:r>
-          </a:p>
-          <a:p>
-            <a:pPr>
-              <a:lnSpc>
-                <a:spcPct val="150000"/>
-              </a:lnSpc>
-            </a:pPr>
-            <a:r>
-              <a:rPr lang="en-US" altLang="zh-CN" sz="3200" dirty="0">
-                <a:latin typeface="Times New Roman" panose="02020603050405020304" pitchFamily="18" charset="0"/>
-                <a:cs typeface="Times New Roman" panose="02020603050405020304" pitchFamily="18" charset="0"/>
-              </a:rPr>
-              <a:t>Comparative study</a:t>
-            </a:r>
-          </a:p>
-          <a:p>
-            <a:pPr>
-              <a:lnSpc>
-                <a:spcPct val="150000"/>
-              </a:lnSpc>
-            </a:pPr>
-            <a:r>
-              <a:rPr lang="en-US" altLang="zh-CN" sz="3200" dirty="0">
-                <a:latin typeface="Times New Roman" panose="02020603050405020304" pitchFamily="18" charset="0"/>
-                <a:cs typeface="Times New Roman" panose="02020603050405020304" pitchFamily="18" charset="0"/>
-              </a:rPr>
-              <a:t>Conclusion</a:t>
-            </a:r>
-          </a:p>
-          <a:p>
-            <a:pPr>
-              <a:lnSpc>
-                <a:spcPct val="150000"/>
-              </a:lnSpc>
-            </a:pPr>
-            <a:r>
-              <a:rPr lang="en-US" altLang="zh-CN" sz="3200" dirty="0">
-                <a:latin typeface="Times New Roman" panose="02020603050405020304" pitchFamily="18" charset="0"/>
-                <a:cs typeface="Times New Roman" panose="02020603050405020304" pitchFamily="18" charset="0"/>
-              </a:rPr>
-              <a:t>…</a:t>
-            </a:r>
-            <a:endParaRPr lang="zh-CN" altLang="en-US" sz="3200" dirty="0">
-              <a:latin typeface="Times New Roman" panose="02020603050405020304" pitchFamily="18" charset="0"/>
-              <a:cs typeface="Times New Roman" panose="02020603050405020304" pitchFamily="18" charset="0"/>
-            </a:endParaRPr>
-          </a:p>
-        </p:txBody>
-      </p:sp>
-    </p:spTree>
-    <p:extLst>
-      <p:ext uri="{BB962C8B-B14F-4D97-AF65-F5344CB8AC3E}">
-        <p14:creationId xmlns:p14="http://schemas.microsoft.com/office/powerpoint/2010/main" val="2692643023"/>
-      </p:ext>
-    </p:extLst>
-  </p:cSld>
-  <p:clrMapOvr>
-    <a:masterClrMapping/>
-  </p:clrMapOvr>
-</p:sld>
-</file>
-
-<file path=ppt/slides/slide6.xml><?xml version="1.0" encoding="utf-8"?>
-<p:sld xmlns:a="http://schemas.openxmlformats.org/drawingml/2006/main" xmlns:r="http://schemas.openxmlformats.org/officeDocument/2006/relationships" xmlns:p="http://schemas.openxmlformats.org/presentationml/2006/main">
-  <p:cSld>
-    <p:spTree>
-      <p:nvGrpSpPr>
-        <p:cNvPr id="1" name=""/>
-        <p:cNvGrpSpPr/>
-        <p:nvPr/>
-      </p:nvGrpSpPr>
-      <p:grpSpPr>
-        <a:xfrm>
-          <a:off x="0" y="0"/>
-          <a:ext cx="0" cy="0"/>
-          <a:chOff x="0" y="0"/>
-          <a:chExt cx="0" cy="0"/>
-        </a:xfrm>
-      </p:grpSpPr>
-      <p:sp>
-        <p:nvSpPr>
-          <p:cNvPr id="2" name="标题 1">
-            <a:extLst>
-              <a:ext uri="{FF2B5EF4-FFF2-40B4-BE49-F238E27FC236}">
-                <a16:creationId xmlns:a16="http://schemas.microsoft.com/office/drawing/2014/main" id="{6C54524D-D7B3-48C4-AE64-36B39C25B176}"/>
-              </a:ext>
-            </a:extLst>
-          </p:cNvPr>
-          <p:cNvSpPr>
-            <a:spLocks noGrp="1"/>
-          </p:cNvSpPr>
-          <p:nvPr>
-            <p:ph type="title"/>
-          </p:nvPr>
-        </p:nvSpPr>
-        <p:spPr>
-          <a:xfrm>
             <a:off x="838200" y="365126"/>
             <a:ext cx="10515600" cy="1954994"/>
           </a:xfrm>
@@ -4294,7 +4121,7 @@
                 <a:latin typeface="Times New Roman" panose="02020603050405020304" pitchFamily="18" charset="0"/>
                 <a:cs typeface="Times New Roman" panose="02020603050405020304" pitchFamily="18" charset="0"/>
               </a:rPr>
-              <a:t>Differences are too much, words too less</a:t>
+              <a:t>Differences are beyond words.</a:t>
             </a:r>
           </a:p>
           <a:p>
@@ -4303,7 +4130,7 @@
                 <a:latin typeface="Times New Roman" panose="02020603050405020304" pitchFamily="18" charset="0"/>
                 <a:cs typeface="Times New Roman" panose="02020603050405020304" pitchFamily="18" charset="0"/>
               </a:rPr>
-              <a:t>Lack of feedback from native English speakers</a:t>
+              <a:t>Feedback from native English speakers is limited.</a:t>
             </a:r>
             <a:endParaRPr lang="zh-CN" altLang="en-US" sz="3200" dirty="0">
               <a:latin typeface="Times New Roman" panose="02020603050405020304" pitchFamily="18" charset="0"/>
@@ -4325,7 +4152,7 @@
 </p:sld>
 </file>
 
-<file path=ppt/slides/slide7.xml><?xml version="1.0" encoding="utf-8"?>
+<file path=ppt/slides/slide6.xml><?xml version="1.0" encoding="utf-8"?>
 <p:sld xmlns:a="http://schemas.openxmlformats.org/drawingml/2006/main" xmlns:r="http://schemas.openxmlformats.org/officeDocument/2006/relationships" xmlns:p="http://schemas.openxmlformats.org/presentationml/2006/main">
   <p:cSld>
     <p:spTree>
